--- a/web/static/assets/documentos_junin/Certificado_Sistema_Junin.pptx
+++ b/web/static/assets/documentos_junin/Certificado_Sistema_Junin.pptx
@@ -63,7 +63,7 @@
         <p:txBody>
           <a:bodyPr/>
           <a:p>
-            <a:fld id="{FA2B725D-436E-4FE7-B9FD-1C4A7EEAFCC8}" type="slidenum">
+            <a:fld id="{7684B162-3560-405A-BD3C-74A20D690F9A}" type="slidenum">
               <a:t>&lt;#&gt;</a:t>
             </a:fld>
           </a:p>
@@ -114,7 +114,7 @@
       </p:grpSpPr>
       <p:sp>
         <p:nvSpPr>
-          <p:cNvPr id="26" name="PlaceHolder 1"/>
+          <p:cNvPr id="24" name="PlaceHolder 1"/>
           <p:cNvSpPr>
             <a:spLocks noGrp="1"/>
           </p:cNvSpPr>
@@ -154,7 +154,7 @@
       </p:sp>
       <p:sp>
         <p:nvSpPr>
-          <p:cNvPr id="27" name="PlaceHolder 2"/>
+          <p:cNvPr id="25" name="PlaceHolder 2"/>
           <p:cNvSpPr>
             <a:spLocks noGrp="1"/>
           </p:cNvSpPr>
@@ -197,7 +197,7 @@
       </p:sp>
       <p:sp>
         <p:nvSpPr>
-          <p:cNvPr id="28" name="PlaceHolder 3"/>
+          <p:cNvPr id="26" name="PlaceHolder 3"/>
           <p:cNvSpPr>
             <a:spLocks noGrp="1"/>
           </p:cNvSpPr>
@@ -272,7 +272,7 @@
         <p:txBody>
           <a:bodyPr/>
           <a:p>
-            <a:fld id="{AB8A2121-46F1-46C3-9745-C2BBAFE478D7}" type="slidenum">
+            <a:fld id="{9BD3DA10-0199-4CEA-91B8-6616E1ECDE8C}" type="slidenum">
               <a:t>&lt;#&gt;</a:t>
             </a:fld>
           </a:p>
@@ -323,7 +323,7 @@
       </p:grpSpPr>
       <p:sp>
         <p:nvSpPr>
-          <p:cNvPr id="29" name="PlaceHolder 1"/>
+          <p:cNvPr id="27" name="PlaceHolder 1"/>
           <p:cNvSpPr>
             <a:spLocks noGrp="1"/>
           </p:cNvSpPr>
@@ -363,7 +363,7 @@
       </p:sp>
       <p:sp>
         <p:nvSpPr>
-          <p:cNvPr id="30" name="PlaceHolder 2"/>
+          <p:cNvPr id="28" name="PlaceHolder 2"/>
           <p:cNvSpPr>
             <a:spLocks noGrp="1"/>
           </p:cNvSpPr>
@@ -406,7 +406,7 @@
       </p:sp>
       <p:sp>
         <p:nvSpPr>
-          <p:cNvPr id="31" name="PlaceHolder 3"/>
+          <p:cNvPr id="29" name="PlaceHolder 3"/>
           <p:cNvSpPr>
             <a:spLocks noGrp="1"/>
           </p:cNvSpPr>
@@ -449,7 +449,7 @@
       </p:sp>
       <p:sp>
         <p:nvSpPr>
-          <p:cNvPr id="32" name="PlaceHolder 4"/>
+          <p:cNvPr id="30" name="PlaceHolder 4"/>
           <p:cNvSpPr>
             <a:spLocks noGrp="1"/>
           </p:cNvSpPr>
@@ -492,7 +492,7 @@
       </p:sp>
       <p:sp>
         <p:nvSpPr>
-          <p:cNvPr id="33" name="PlaceHolder 5"/>
+          <p:cNvPr id="31" name="PlaceHolder 5"/>
           <p:cNvSpPr>
             <a:spLocks noGrp="1"/>
           </p:cNvSpPr>
@@ -567,7 +567,7 @@
         <p:txBody>
           <a:bodyPr/>
           <a:p>
-            <a:fld id="{016451FD-47C6-48E4-96BF-A99918243B49}" type="slidenum">
+            <a:fld id="{91708C3A-2DD7-4EC7-A772-FDD8F9B0B597}" type="slidenum">
               <a:t>&lt;#&gt;</a:t>
             </a:fld>
           </a:p>
@@ -618,7 +618,7 @@
       </p:grpSpPr>
       <p:sp>
         <p:nvSpPr>
-          <p:cNvPr id="34" name="PlaceHolder 1"/>
+          <p:cNvPr id="32" name="PlaceHolder 1"/>
           <p:cNvSpPr>
             <a:spLocks noGrp="1"/>
           </p:cNvSpPr>
@@ -658,7 +658,7 @@
       </p:sp>
       <p:sp>
         <p:nvSpPr>
-          <p:cNvPr id="35" name="PlaceHolder 2"/>
+          <p:cNvPr id="33" name="PlaceHolder 2"/>
           <p:cNvSpPr>
             <a:spLocks noGrp="1"/>
           </p:cNvSpPr>
@@ -701,7 +701,7 @@
       </p:sp>
       <p:sp>
         <p:nvSpPr>
-          <p:cNvPr id="36" name="PlaceHolder 3"/>
+          <p:cNvPr id="34" name="PlaceHolder 3"/>
           <p:cNvSpPr>
             <a:spLocks noGrp="1"/>
           </p:cNvSpPr>
@@ -744,7 +744,7 @@
       </p:sp>
       <p:sp>
         <p:nvSpPr>
-          <p:cNvPr id="37" name="PlaceHolder 4"/>
+          <p:cNvPr id="35" name="PlaceHolder 4"/>
           <p:cNvSpPr>
             <a:spLocks noGrp="1"/>
           </p:cNvSpPr>
@@ -787,7 +787,7 @@
       </p:sp>
       <p:sp>
         <p:nvSpPr>
-          <p:cNvPr id="38" name="PlaceHolder 5"/>
+          <p:cNvPr id="36" name="PlaceHolder 5"/>
           <p:cNvSpPr>
             <a:spLocks noGrp="1"/>
           </p:cNvSpPr>
@@ -830,7 +830,7 @@
       </p:sp>
       <p:sp>
         <p:nvSpPr>
-          <p:cNvPr id="39" name="PlaceHolder 6"/>
+          <p:cNvPr id="37" name="PlaceHolder 6"/>
           <p:cNvSpPr>
             <a:spLocks noGrp="1"/>
           </p:cNvSpPr>
@@ -873,7 +873,7 @@
       </p:sp>
       <p:sp>
         <p:nvSpPr>
-          <p:cNvPr id="40" name="PlaceHolder 7"/>
+          <p:cNvPr id="38" name="PlaceHolder 7"/>
           <p:cNvSpPr>
             <a:spLocks noGrp="1"/>
           </p:cNvSpPr>
@@ -948,7 +948,7 @@
         <p:txBody>
           <a:bodyPr/>
           <a:p>
-            <a:fld id="{E554421F-8F98-4C77-B4AF-55B24C64C3D6}" type="slidenum">
+            <a:fld id="{CC31F05F-9822-4B7A-8BD1-212708E685E0}" type="slidenum">
               <a:t>&lt;#&gt;</a:t>
             </a:fld>
           </a:p>
@@ -999,7 +999,7 @@
       </p:grpSpPr>
       <p:sp>
         <p:nvSpPr>
-          <p:cNvPr id="5" name="PlaceHolder 1"/>
+          <p:cNvPr id="3" name="PlaceHolder 1"/>
           <p:cNvSpPr>
             <a:spLocks noGrp="1"/>
           </p:cNvSpPr>
@@ -1039,7 +1039,7 @@
       </p:sp>
       <p:sp>
         <p:nvSpPr>
-          <p:cNvPr id="6" name="PlaceHolder 2"/>
+          <p:cNvPr id="4" name="PlaceHolder 2"/>
           <p:cNvSpPr>
             <a:spLocks noGrp="1"/>
           </p:cNvSpPr>
@@ -1111,7 +1111,7 @@
         <p:txBody>
           <a:bodyPr/>
           <a:p>
-            <a:fld id="{97383B1B-2BD0-4F6A-9E37-F9BB36387076}" type="slidenum">
+            <a:fld id="{5A770CAB-ACC4-4D34-91EB-733B8C094602}" type="slidenum">
               <a:t>&lt;#&gt;</a:t>
             </a:fld>
           </a:p>
@@ -1162,7 +1162,7 @@
       </p:grpSpPr>
       <p:sp>
         <p:nvSpPr>
-          <p:cNvPr id="7" name="PlaceHolder 1"/>
+          <p:cNvPr id="5" name="PlaceHolder 1"/>
           <p:cNvSpPr>
             <a:spLocks noGrp="1"/>
           </p:cNvSpPr>
@@ -1202,7 +1202,7 @@
       </p:sp>
       <p:sp>
         <p:nvSpPr>
-          <p:cNvPr id="8" name="PlaceHolder 2"/>
+          <p:cNvPr id="6" name="PlaceHolder 2"/>
           <p:cNvSpPr>
             <a:spLocks noGrp="1"/>
           </p:cNvSpPr>
@@ -1277,7 +1277,7 @@
         <p:txBody>
           <a:bodyPr/>
           <a:p>
-            <a:fld id="{5B8211BE-7C26-494D-BD5D-FF08B3E1A8AF}" type="slidenum">
+            <a:fld id="{53A630CB-6631-49CA-8E97-F355FFD3EA73}" type="slidenum">
               <a:t>&lt;#&gt;</a:t>
             </a:fld>
           </a:p>
@@ -1328,7 +1328,7 @@
       </p:grpSpPr>
       <p:sp>
         <p:nvSpPr>
-          <p:cNvPr id="9" name="PlaceHolder 1"/>
+          <p:cNvPr id="7" name="PlaceHolder 1"/>
           <p:cNvSpPr>
             <a:spLocks noGrp="1"/>
           </p:cNvSpPr>
@@ -1368,7 +1368,7 @@
       </p:sp>
       <p:sp>
         <p:nvSpPr>
-          <p:cNvPr id="10" name="PlaceHolder 2"/>
+          <p:cNvPr id="8" name="PlaceHolder 2"/>
           <p:cNvSpPr>
             <a:spLocks noGrp="1"/>
           </p:cNvSpPr>
@@ -1411,7 +1411,7 @@
       </p:sp>
       <p:sp>
         <p:nvSpPr>
-          <p:cNvPr id="11" name="PlaceHolder 3"/>
+          <p:cNvPr id="9" name="PlaceHolder 3"/>
           <p:cNvSpPr>
             <a:spLocks noGrp="1"/>
           </p:cNvSpPr>
@@ -1486,7 +1486,7 @@
         <p:txBody>
           <a:bodyPr/>
           <a:p>
-            <a:fld id="{8CDB3869-921F-4326-B042-C3030CAC57B3}" type="slidenum">
+            <a:fld id="{FF7A5E12-44A0-4EAE-B6D1-960303CBEECF}" type="slidenum">
               <a:t>&lt;#&gt;</a:t>
             </a:fld>
           </a:p>
@@ -1537,7 +1537,7 @@
       </p:grpSpPr>
       <p:sp>
         <p:nvSpPr>
-          <p:cNvPr id="12" name="PlaceHolder 1"/>
+          <p:cNvPr id="10" name="PlaceHolder 1"/>
           <p:cNvSpPr>
             <a:spLocks noGrp="1"/>
           </p:cNvSpPr>
@@ -1609,7 +1609,7 @@
         <p:txBody>
           <a:bodyPr/>
           <a:p>
-            <a:fld id="{2BBB2C7D-4A1A-4A22-AD64-B5DCE4A7D428}" type="slidenum">
+            <a:fld id="{171FA9B2-4B44-4B1F-9CDE-15EC3E73BE1C}" type="slidenum">
               <a:t>&lt;#&gt;</a:t>
             </a:fld>
           </a:p>
@@ -1660,7 +1660,7 @@
       </p:grpSpPr>
       <p:sp>
         <p:nvSpPr>
-          <p:cNvPr id="13" name="PlaceHolder 1"/>
+          <p:cNvPr id="11" name="PlaceHolder 1"/>
           <p:cNvSpPr>
             <a:spLocks noGrp="1"/>
           </p:cNvSpPr>
@@ -1730,7 +1730,7 @@
         <p:txBody>
           <a:bodyPr/>
           <a:p>
-            <a:fld id="{0F69921E-5FB8-462F-8034-1E6AE68752D2}" type="slidenum">
+            <a:fld id="{05DDAABA-8B9A-430E-A647-742BC51E748F}" type="slidenum">
               <a:t>&lt;#&gt;</a:t>
             </a:fld>
           </a:p>
@@ -1781,7 +1781,7 @@
       </p:grpSpPr>
       <p:sp>
         <p:nvSpPr>
-          <p:cNvPr id="14" name="PlaceHolder 1"/>
+          <p:cNvPr id="12" name="PlaceHolder 1"/>
           <p:cNvSpPr>
             <a:spLocks noGrp="1"/>
           </p:cNvSpPr>
@@ -1821,7 +1821,7 @@
       </p:sp>
       <p:sp>
         <p:nvSpPr>
-          <p:cNvPr id="15" name="PlaceHolder 2"/>
+          <p:cNvPr id="13" name="PlaceHolder 2"/>
           <p:cNvSpPr>
             <a:spLocks noGrp="1"/>
           </p:cNvSpPr>
@@ -1864,7 +1864,7 @@
       </p:sp>
       <p:sp>
         <p:nvSpPr>
-          <p:cNvPr id="16" name="PlaceHolder 3"/>
+          <p:cNvPr id="14" name="PlaceHolder 3"/>
           <p:cNvSpPr>
             <a:spLocks noGrp="1"/>
           </p:cNvSpPr>
@@ -1907,7 +1907,7 @@
       </p:sp>
       <p:sp>
         <p:nvSpPr>
-          <p:cNvPr id="17" name="PlaceHolder 4"/>
+          <p:cNvPr id="15" name="PlaceHolder 4"/>
           <p:cNvSpPr>
             <a:spLocks noGrp="1"/>
           </p:cNvSpPr>
@@ -1982,7 +1982,7 @@
         <p:txBody>
           <a:bodyPr/>
           <a:p>
-            <a:fld id="{61A6855C-C8BE-44C0-9826-EB60730E3C53}" type="slidenum">
+            <a:fld id="{705C315E-1795-4B8B-9048-845603AD4AC7}" type="slidenum">
               <a:t>&lt;#&gt;</a:t>
             </a:fld>
           </a:p>
@@ -2033,7 +2033,7 @@
       </p:grpSpPr>
       <p:sp>
         <p:nvSpPr>
-          <p:cNvPr id="18" name="PlaceHolder 1"/>
+          <p:cNvPr id="16" name="PlaceHolder 1"/>
           <p:cNvSpPr>
             <a:spLocks noGrp="1"/>
           </p:cNvSpPr>
@@ -2073,7 +2073,7 @@
       </p:sp>
       <p:sp>
         <p:nvSpPr>
-          <p:cNvPr id="19" name="PlaceHolder 2"/>
+          <p:cNvPr id="17" name="PlaceHolder 2"/>
           <p:cNvSpPr>
             <a:spLocks noGrp="1"/>
           </p:cNvSpPr>
@@ -2116,7 +2116,7 @@
       </p:sp>
       <p:sp>
         <p:nvSpPr>
-          <p:cNvPr id="20" name="PlaceHolder 3"/>
+          <p:cNvPr id="18" name="PlaceHolder 3"/>
           <p:cNvSpPr>
             <a:spLocks noGrp="1"/>
           </p:cNvSpPr>
@@ -2159,7 +2159,7 @@
       </p:sp>
       <p:sp>
         <p:nvSpPr>
-          <p:cNvPr id="21" name="PlaceHolder 4"/>
+          <p:cNvPr id="19" name="PlaceHolder 4"/>
           <p:cNvSpPr>
             <a:spLocks noGrp="1"/>
           </p:cNvSpPr>
@@ -2234,7 +2234,7 @@
         <p:txBody>
           <a:bodyPr/>
           <a:p>
-            <a:fld id="{7C238E69-3C4C-4BFC-91FF-B6EEF6359B1A}" type="slidenum">
+            <a:fld id="{06503A67-D76C-45C9-AF91-69560422A915}" type="slidenum">
               <a:t>&lt;#&gt;</a:t>
             </a:fld>
           </a:p>
@@ -2285,7 +2285,7 @@
       </p:grpSpPr>
       <p:sp>
         <p:nvSpPr>
-          <p:cNvPr id="22" name="PlaceHolder 1"/>
+          <p:cNvPr id="20" name="PlaceHolder 1"/>
           <p:cNvSpPr>
             <a:spLocks noGrp="1"/>
           </p:cNvSpPr>
@@ -2325,7 +2325,7 @@
       </p:sp>
       <p:sp>
         <p:nvSpPr>
-          <p:cNvPr id="23" name="PlaceHolder 2"/>
+          <p:cNvPr id="21" name="PlaceHolder 2"/>
           <p:cNvSpPr>
             <a:spLocks noGrp="1"/>
           </p:cNvSpPr>
@@ -2368,7 +2368,7 @@
       </p:sp>
       <p:sp>
         <p:nvSpPr>
-          <p:cNvPr id="24" name="PlaceHolder 3"/>
+          <p:cNvPr id="22" name="PlaceHolder 3"/>
           <p:cNvSpPr>
             <a:spLocks noGrp="1"/>
           </p:cNvSpPr>
@@ -2411,7 +2411,7 @@
       </p:sp>
       <p:sp>
         <p:nvSpPr>
-          <p:cNvPr id="25" name="PlaceHolder 4"/>
+          <p:cNvPr id="23" name="PlaceHolder 4"/>
           <p:cNvSpPr>
             <a:spLocks noGrp="1"/>
           </p:cNvSpPr>
@@ -2486,7 +2486,7 @@
         <p:txBody>
           <a:bodyPr/>
           <a:p>
-            <a:fld id="{1011D083-4CA9-41E0-81C2-86028E8BD1D0}" type="slidenum">
+            <a:fld id="{1F0B8398-4F56-499E-91C4-CCCED546A6BE}" type="slidenum">
               <a:t>&lt;#&gt;</a:t>
             </a:fld>
           </a:p>
@@ -2555,7 +2555,7 @@
         <p:spPr>
           <a:xfrm>
             <a:off x="3029040" y="6356520"/>
-            <a:ext cx="3084840" cy="363600"/>
+            <a:ext cx="3084480" cy="363240"/>
           </a:xfrm>
           <a:prstGeom prst="rect">
             <a:avLst/>
@@ -2627,7 +2627,7 @@
         <p:spPr>
           <a:xfrm>
             <a:off x="6458040" y="6356520"/>
-            <a:ext cx="2055960" cy="363600"/>
+            <a:ext cx="2055600" cy="363240"/>
           </a:xfrm>
           <a:prstGeom prst="rect">
             <a:avLst/>
@@ -2668,7 +2668,7 @@
                 <a:tab algn="l" pos="0"/>
               </a:tabLst>
             </a:pPr>
-            <a:fld id="{0F8355B1-9B96-4CA9-B6ED-3F34AAE1DA61}" type="slidenum">
+            <a:fld id="{7E13FDE0-BBFC-4530-ADC2-CE67644DA271}" type="slidenum">
               <a:rPr b="0" lang="es-VE" sz="1200" spc="-1" strike="noStrike">
                 <a:solidFill>
                   <a:srgbClr val="8b8b8b"/>
@@ -2699,7 +2699,7 @@
         <p:spPr>
           <a:xfrm>
             <a:off x="628560" y="6356520"/>
-            <a:ext cx="2055960" cy="363600"/>
+            <a:ext cx="2055600" cy="363240"/>
           </a:xfrm>
           <a:prstGeom prst="rect">
             <a:avLst/>
@@ -2742,280 +2742,6 @@
                 <a:srgbClr val="000000"/>
               </a:solidFill>
               <a:latin typeface="Times New Roman"/>
-            </a:endParaRPr>
-          </a:p>
-        </p:txBody>
-      </p:sp>
-      <p:sp>
-        <p:nvSpPr>
-          <p:cNvPr id="3" name="PlaceHolder 4"/>
-          <p:cNvSpPr>
-            <a:spLocks noGrp="1"/>
-          </p:cNvSpPr>
-          <p:nvPr>
-            <p:ph type="title"/>
-          </p:nvPr>
-        </p:nvSpPr>
-        <p:spPr>
-          <a:xfrm>
-            <a:off x="457200" y="273600"/>
-            <a:ext cx="8229240" cy="1144800"/>
-          </a:xfrm>
-          <a:prstGeom prst="rect">
-            <a:avLst/>
-          </a:prstGeom>
-          <a:noFill/>
-          <a:ln w="0">
-            <a:noFill/>
-          </a:ln>
-        </p:spPr>
-        <p:txBody>
-          <a:bodyPr lIns="0" rIns="0" tIns="0" bIns="0" anchor="ctr">
-            <a:noAutofit/>
-          </a:bodyPr>
-          <a:p>
-            <a:pPr indent="0" algn="ctr">
-              <a:buNone/>
-            </a:pPr>
-            <a:r>
-              <a:rPr b="0" lang="es-VE" sz="4400" spc="-1" strike="noStrike">
-                <a:solidFill>
-                  <a:srgbClr val="000000"/>
-                </a:solidFill>
-                <a:latin typeface="Arial"/>
-              </a:rPr>
-              <a:t>Click to edit the title text format</a:t>
-            </a:r>
-            <a:endParaRPr b="0" lang="es-VE" sz="4400" spc="-1" strike="noStrike">
-              <a:solidFill>
-                <a:srgbClr val="000000"/>
-              </a:solidFill>
-              <a:latin typeface="Arial"/>
-            </a:endParaRPr>
-          </a:p>
-        </p:txBody>
-      </p:sp>
-      <p:sp>
-        <p:nvSpPr>
-          <p:cNvPr id="4" name="PlaceHolder 5"/>
-          <p:cNvSpPr>
-            <a:spLocks noGrp="1"/>
-          </p:cNvSpPr>
-          <p:nvPr>
-            <p:ph type="body"/>
-          </p:nvPr>
-        </p:nvSpPr>
-        <p:spPr>
-          <a:xfrm>
-            <a:off x="457200" y="1604520"/>
-            <a:ext cx="8229240" cy="3977280"/>
-          </a:xfrm>
-          <a:prstGeom prst="rect">
-            <a:avLst/>
-          </a:prstGeom>
-          <a:noFill/>
-          <a:ln w="0">
-            <a:noFill/>
-          </a:ln>
-        </p:spPr>
-        <p:txBody>
-          <a:bodyPr lIns="0" rIns="0" tIns="0" bIns="0" anchor="t">
-            <a:normAutofit/>
-          </a:bodyPr>
-          <a:p>
-            <a:pPr marL="432000" indent="-324000">
-              <a:spcBef>
-                <a:spcPts val="1417"/>
-              </a:spcBef>
-              <a:buClr>
-                <a:srgbClr val="000000"/>
-              </a:buClr>
-              <a:buSzPct val="45000"/>
-              <a:buFont typeface="Wingdings" charset="2"/>
-              <a:buChar char=""/>
-            </a:pPr>
-            <a:r>
-              <a:rPr b="0" lang="es-VE" sz="3200" spc="-1" strike="noStrike">
-                <a:solidFill>
-                  <a:srgbClr val="000000"/>
-                </a:solidFill>
-                <a:latin typeface="Arial"/>
-              </a:rPr>
-              <a:t>Click to edit the outline text format</a:t>
-            </a:r>
-            <a:endParaRPr b="0" lang="es-VE" sz="3200" spc="-1" strike="noStrike">
-              <a:solidFill>
-                <a:srgbClr val="000000"/>
-              </a:solidFill>
-              <a:latin typeface="Arial"/>
-            </a:endParaRPr>
-          </a:p>
-          <a:p>
-            <a:pPr lvl="1" marL="864000" indent="-324000">
-              <a:spcBef>
-                <a:spcPts val="1134"/>
-              </a:spcBef>
-              <a:buClr>
-                <a:srgbClr val="000000"/>
-              </a:buClr>
-              <a:buSzPct val="75000"/>
-              <a:buFont typeface="Symbol" charset="2"/>
-              <a:buChar char=""/>
-            </a:pPr>
-            <a:r>
-              <a:rPr b="0" lang="es-VE" sz="2800" spc="-1" strike="noStrike">
-                <a:solidFill>
-                  <a:srgbClr val="000000"/>
-                </a:solidFill>
-                <a:latin typeface="Arial"/>
-              </a:rPr>
-              <a:t>Second Outline Level</a:t>
-            </a:r>
-            <a:endParaRPr b="0" lang="es-VE" sz="2800" spc="-1" strike="noStrike">
-              <a:solidFill>
-                <a:srgbClr val="000000"/>
-              </a:solidFill>
-              <a:latin typeface="Arial"/>
-            </a:endParaRPr>
-          </a:p>
-          <a:p>
-            <a:pPr lvl="2" marL="1296000" indent="-288000">
-              <a:spcBef>
-                <a:spcPts val="850"/>
-              </a:spcBef>
-              <a:buClr>
-                <a:srgbClr val="000000"/>
-              </a:buClr>
-              <a:buSzPct val="45000"/>
-              <a:buFont typeface="Wingdings" charset="2"/>
-              <a:buChar char=""/>
-            </a:pPr>
-            <a:r>
-              <a:rPr b="0" lang="es-VE" sz="2400" spc="-1" strike="noStrike">
-                <a:solidFill>
-                  <a:srgbClr val="000000"/>
-                </a:solidFill>
-                <a:latin typeface="Arial"/>
-              </a:rPr>
-              <a:t>Third Outline Level</a:t>
-            </a:r>
-            <a:endParaRPr b="0" lang="es-VE" sz="2400" spc="-1" strike="noStrike">
-              <a:solidFill>
-                <a:srgbClr val="000000"/>
-              </a:solidFill>
-              <a:latin typeface="Arial"/>
-            </a:endParaRPr>
-          </a:p>
-          <a:p>
-            <a:pPr lvl="3" marL="1728000" indent="-216000">
-              <a:spcBef>
-                <a:spcPts val="567"/>
-              </a:spcBef>
-              <a:buClr>
-                <a:srgbClr val="000000"/>
-              </a:buClr>
-              <a:buSzPct val="75000"/>
-              <a:buFont typeface="Symbol" charset="2"/>
-              <a:buChar char=""/>
-            </a:pPr>
-            <a:r>
-              <a:rPr b="0" lang="es-VE" sz="2000" spc="-1" strike="noStrike">
-                <a:solidFill>
-                  <a:srgbClr val="000000"/>
-                </a:solidFill>
-                <a:latin typeface="Arial"/>
-              </a:rPr>
-              <a:t>Fourth Outline Level</a:t>
-            </a:r>
-            <a:endParaRPr b="0" lang="es-VE" sz="2000" spc="-1" strike="noStrike">
-              <a:solidFill>
-                <a:srgbClr val="000000"/>
-              </a:solidFill>
-              <a:latin typeface="Arial"/>
-            </a:endParaRPr>
-          </a:p>
-          <a:p>
-            <a:pPr lvl="4" marL="2160000" indent="-216000">
-              <a:spcBef>
-                <a:spcPts val="283"/>
-              </a:spcBef>
-              <a:buClr>
-                <a:srgbClr val="000000"/>
-              </a:buClr>
-              <a:buSzPct val="45000"/>
-              <a:buFont typeface="Wingdings" charset="2"/>
-              <a:buChar char=""/>
-            </a:pPr>
-            <a:r>
-              <a:rPr b="0" lang="es-VE" sz="2000" spc="-1" strike="noStrike">
-                <a:solidFill>
-                  <a:srgbClr val="000000"/>
-                </a:solidFill>
-                <a:latin typeface="Arial"/>
-              </a:rPr>
-              <a:t>Fifth Outline Level</a:t>
-            </a:r>
-            <a:endParaRPr b="0" lang="es-VE" sz="2000" spc="-1" strike="noStrike">
-              <a:solidFill>
-                <a:srgbClr val="000000"/>
-              </a:solidFill>
-              <a:latin typeface="Arial"/>
-            </a:endParaRPr>
-          </a:p>
-          <a:p>
-            <a:pPr lvl="5" marL="2592000" indent="-216000">
-              <a:spcBef>
-                <a:spcPts val="283"/>
-              </a:spcBef>
-              <a:buClr>
-                <a:srgbClr val="000000"/>
-              </a:buClr>
-              <a:buSzPct val="45000"/>
-              <a:buFont typeface="Wingdings" charset="2"/>
-              <a:buChar char=""/>
-            </a:pPr>
-            <a:r>
-              <a:rPr b="0" lang="es-VE" sz="2000" spc="-1" strike="noStrike">
-                <a:solidFill>
-                  <a:srgbClr val="000000"/>
-                </a:solidFill>
-                <a:latin typeface="Arial"/>
-              </a:rPr>
-              <a:t>Sixth Outline Level</a:t>
-            </a:r>
-            <a:endParaRPr b="0" lang="es-VE" sz="2000" spc="-1" strike="noStrike">
-              <a:solidFill>
-                <a:srgbClr val="000000"/>
-              </a:solidFill>
-              <a:latin typeface="Arial"/>
-            </a:endParaRPr>
-          </a:p>
-          <a:p>
-            <a:pPr lvl="6" marL="3024000" indent="-216000">
-              <a:spcBef>
-                <a:spcPts val="283"/>
-              </a:spcBef>
-              <a:buClr>
-                <a:srgbClr val="000000"/>
-              </a:buClr>
-              <a:buSzPct val="45000"/>
-              <a:buFont typeface="Wingdings" charset="2"/>
-              <a:buChar char=""/>
-            </a:pPr>
-            <a:r>
-              <a:rPr b="0" lang="es-VE" sz="2000" spc="-1" strike="noStrike">
-                <a:solidFill>
-                  <a:srgbClr val="000000"/>
-                </a:solidFill>
-                <a:latin typeface="Arial"/>
-              </a:rPr>
-              <a:t>Seventh Outline Level</a:t>
-            </a:r>
-            <a:endParaRPr b="0" lang="es-VE" sz="2000" spc="-1" strike="noStrike">
-              <a:solidFill>
-                <a:srgbClr val="000000"/>
-              </a:solidFill>
-              <a:latin typeface="Arial"/>
             </a:endParaRPr>
           </a:p>
         </p:txBody>
@@ -3059,7 +2785,7 @@
       </p:grpSpPr>
       <p:pic>
         <p:nvPicPr>
-          <p:cNvPr id="41" name="Imagen 3" descr=""/>
+          <p:cNvPr id="39" name="Imagen 3" descr=""/>
           <p:cNvPicPr/>
           <p:nvPr/>
         </p:nvPicPr>
@@ -3070,7 +2796,7 @@
         <p:spPr>
           <a:xfrm>
             <a:off x="37440" y="0"/>
-            <a:ext cx="9142560" cy="6856560"/>
+            <a:ext cx="9142200" cy="6856200"/>
           </a:xfrm>
           <a:prstGeom prst="rect">
             <a:avLst/>
@@ -3082,14 +2808,14 @@
       </p:pic>
       <p:sp>
         <p:nvSpPr>
-          <p:cNvPr id="42" name="Rectángulo 5"/>
+          <p:cNvPr id="40" name="Rectángulo 5"/>
           <p:cNvSpPr/>
           <p:nvPr/>
         </p:nvSpPr>
         <p:spPr>
           <a:xfrm>
             <a:off x="3388320" y="2550240"/>
-            <a:ext cx="657360" cy="455400"/>
+            <a:ext cx="657000" cy="455400"/>
           </a:xfrm>
           <a:prstGeom prst="rect">
             <a:avLst/>
@@ -3139,14 +2865,14 @@
       </p:sp>
       <p:sp>
         <p:nvSpPr>
-          <p:cNvPr id="43" name="Rectángulo 6"/>
+          <p:cNvPr id="41" name="Rectángulo 6"/>
           <p:cNvSpPr/>
           <p:nvPr/>
         </p:nvSpPr>
         <p:spPr>
           <a:xfrm>
-            <a:off x="1766880" y="3345480"/>
-            <a:ext cx="1132920" cy="363960"/>
+            <a:off x="1046880" y="3345480"/>
+            <a:ext cx="1132560" cy="363960"/>
           </a:xfrm>
           <a:prstGeom prst="rect">
             <a:avLst/>
@@ -3196,14 +2922,14 @@
       </p:sp>
       <p:sp>
         <p:nvSpPr>
-          <p:cNvPr id="44" name="Rectángulo 7"/>
+          <p:cNvPr id="42" name="Rectángulo 7"/>
           <p:cNvSpPr/>
           <p:nvPr/>
         </p:nvSpPr>
         <p:spPr>
           <a:xfrm>
             <a:off x="135720" y="2024280"/>
-            <a:ext cx="8809920" cy="394560"/>
+            <a:ext cx="8809560" cy="394560"/>
           </a:xfrm>
           <a:prstGeom prst="rect">
             <a:avLst/>
@@ -3269,14 +2995,14 @@
       </p:sp>
       <p:sp>
         <p:nvSpPr>
-          <p:cNvPr id="45" name="CuadroTexto 9"/>
+          <p:cNvPr id="43" name="CuadroTexto 9"/>
           <p:cNvSpPr/>
           <p:nvPr/>
         </p:nvSpPr>
         <p:spPr>
           <a:xfrm>
             <a:off x="7826760" y="5405760"/>
-            <a:ext cx="1827360" cy="272160"/>
+            <a:ext cx="1827000" cy="272160"/>
           </a:xfrm>
           <a:prstGeom prst="rect">
             <a:avLst/>
@@ -3326,14 +3052,14 @@
       </p:sp>
       <p:sp>
         <p:nvSpPr>
-          <p:cNvPr id="46" name="CuadroTexto 10"/>
+          <p:cNvPr id="44" name="CuadroTexto 10"/>
           <p:cNvSpPr/>
           <p:nvPr/>
         </p:nvSpPr>
         <p:spPr>
           <a:xfrm>
             <a:off x="6940080" y="5746680"/>
-            <a:ext cx="1248480" cy="363960"/>
+            <a:ext cx="1248120" cy="363960"/>
           </a:xfrm>
           <a:prstGeom prst="rect">
             <a:avLst/>
@@ -3393,14 +3119,14 @@
       </p:sp>
       <p:sp>
         <p:nvSpPr>
-          <p:cNvPr id="47" name="CuadroTexto 12"/>
+          <p:cNvPr id="45" name="CuadroTexto 12"/>
           <p:cNvSpPr/>
           <p:nvPr/>
         </p:nvSpPr>
         <p:spPr>
           <a:xfrm>
             <a:off x="3984120" y="2599200"/>
-            <a:ext cx="1774080" cy="363960"/>
+            <a:ext cx="1773720" cy="363960"/>
           </a:xfrm>
           <a:prstGeom prst="rect">
             <a:avLst/>
@@ -3453,14 +3179,14 @@
       </p:sp>
       <p:sp>
         <p:nvSpPr>
-          <p:cNvPr id="48" name="CuadroTexto 14"/>
+          <p:cNvPr id="46" name="CuadroTexto 14"/>
           <p:cNvSpPr/>
           <p:nvPr/>
         </p:nvSpPr>
         <p:spPr>
           <a:xfrm>
-            <a:off x="2822760" y="3348360"/>
-            <a:ext cx="4884840" cy="363960"/>
+            <a:off x="2138760" y="3348360"/>
+            <a:ext cx="4884480" cy="363960"/>
           </a:xfrm>
           <a:prstGeom prst="rect">
             <a:avLst/>
@@ -3510,14 +3236,14 @@
       </p:sp>
       <p:sp>
         <p:nvSpPr>
-          <p:cNvPr id="49" name=""/>
+          <p:cNvPr id="47" name=""/>
           <p:cNvSpPr/>
           <p:nvPr/>
         </p:nvSpPr>
         <p:spPr>
           <a:xfrm>
             <a:off x="7380000" y="3960000"/>
-            <a:ext cx="1440000" cy="1440000"/>
+            <a:ext cx="1439640" cy="1439640"/>
           </a:xfrm>
           <a:prstGeom prst="rect">
             <a:avLst/>
@@ -3542,25 +3268,31 @@
             <a:noAutofit/>
           </a:bodyPr>
           <a:p>
+            <a:pPr>
+              <a:lnSpc>
+                <a:spcPct val="100000"/>
+              </a:lnSpc>
+            </a:pPr>
             <a:endParaRPr b="0" lang="es-VE" sz="1800" spc="-1" strike="noStrike">
               <a:solidFill>
                 <a:srgbClr val="000000"/>
               </a:solidFill>
               <a:latin typeface="Arial"/>
-            </a:endParaRPr>
-          </a:p>
-        </p:txBody>
-      </p:sp>
-      <p:sp>
-        <p:nvSpPr>
-          <p:cNvPr id="50" name="Rectángulo 8"/>
+              <a:ea typeface="DejaVu Sans"/>
+            </a:endParaRPr>
+          </a:p>
+        </p:txBody>
+      </p:sp>
+      <p:sp>
+        <p:nvSpPr>
+          <p:cNvPr id="48" name="Rectángulo 8"/>
           <p:cNvSpPr/>
           <p:nvPr/>
         </p:nvSpPr>
         <p:spPr>
           <a:xfrm>
             <a:off x="7309080" y="3636000"/>
-            <a:ext cx="1546920" cy="1800000"/>
+            <a:ext cx="1546560" cy="1799640"/>
           </a:xfrm>
           <a:prstGeom prst="rect">
             <a:avLst/>
@@ -3606,11 +3338,8 @@
             </a:r>
             <a:endParaRPr b="0" lang="es-VE" sz="7200" spc="-1" strike="noStrike">
               <a:solidFill>
-                <a:srgbClr val="ffffff"/>
-              </a:solidFill>
-              <a:highlight>
-                <a:srgbClr val="ffffff"/>
-              </a:highlight>
+                <a:srgbClr val="000000"/>
+              </a:solidFill>
               <a:latin typeface="Arial"/>
             </a:endParaRPr>
           </a:p>

--- a/web/static/assets/documentos_junin/Certificado_Sistema_Junin.pptx
+++ b/web/static/assets/documentos_junin/Certificado_Sistema_Junin.pptx
@@ -63,7 +63,7 @@
         <p:txBody>
           <a:bodyPr/>
           <a:p>
-            <a:fld id="{7684B162-3560-405A-BD3C-74A20D690F9A}" type="slidenum">
+            <a:fld id="{50D9E548-6DC6-4D6A-9AC9-324C23FCE450}" type="slidenum">
               <a:t>&lt;#&gt;</a:t>
             </a:fld>
           </a:p>
@@ -114,7 +114,7 @@
       </p:grpSpPr>
       <p:sp>
         <p:nvSpPr>
-          <p:cNvPr id="24" name="PlaceHolder 1"/>
+          <p:cNvPr id="26" name="PlaceHolder 1"/>
           <p:cNvSpPr>
             <a:spLocks noGrp="1"/>
           </p:cNvSpPr>
@@ -154,7 +154,7 @@
       </p:sp>
       <p:sp>
         <p:nvSpPr>
-          <p:cNvPr id="25" name="PlaceHolder 2"/>
+          <p:cNvPr id="27" name="PlaceHolder 2"/>
           <p:cNvSpPr>
             <a:spLocks noGrp="1"/>
           </p:cNvSpPr>
@@ -197,7 +197,7 @@
       </p:sp>
       <p:sp>
         <p:nvSpPr>
-          <p:cNvPr id="26" name="PlaceHolder 3"/>
+          <p:cNvPr id="28" name="PlaceHolder 3"/>
           <p:cNvSpPr>
             <a:spLocks noGrp="1"/>
           </p:cNvSpPr>
@@ -272,7 +272,7 @@
         <p:txBody>
           <a:bodyPr/>
           <a:p>
-            <a:fld id="{9BD3DA10-0199-4CEA-91B8-6616E1ECDE8C}" type="slidenum">
+            <a:fld id="{48B8B954-DC54-4944-A1F9-67F012C1349F}" type="slidenum">
               <a:t>&lt;#&gt;</a:t>
             </a:fld>
           </a:p>
@@ -323,7 +323,7 @@
       </p:grpSpPr>
       <p:sp>
         <p:nvSpPr>
-          <p:cNvPr id="27" name="PlaceHolder 1"/>
+          <p:cNvPr id="29" name="PlaceHolder 1"/>
           <p:cNvSpPr>
             <a:spLocks noGrp="1"/>
           </p:cNvSpPr>
@@ -363,7 +363,7 @@
       </p:sp>
       <p:sp>
         <p:nvSpPr>
-          <p:cNvPr id="28" name="PlaceHolder 2"/>
+          <p:cNvPr id="30" name="PlaceHolder 2"/>
           <p:cNvSpPr>
             <a:spLocks noGrp="1"/>
           </p:cNvSpPr>
@@ -406,7 +406,7 @@
       </p:sp>
       <p:sp>
         <p:nvSpPr>
-          <p:cNvPr id="29" name="PlaceHolder 3"/>
+          <p:cNvPr id="31" name="PlaceHolder 3"/>
           <p:cNvSpPr>
             <a:spLocks noGrp="1"/>
           </p:cNvSpPr>
@@ -449,7 +449,7 @@
       </p:sp>
       <p:sp>
         <p:nvSpPr>
-          <p:cNvPr id="30" name="PlaceHolder 4"/>
+          <p:cNvPr id="32" name="PlaceHolder 4"/>
           <p:cNvSpPr>
             <a:spLocks noGrp="1"/>
           </p:cNvSpPr>
@@ -492,7 +492,7 @@
       </p:sp>
       <p:sp>
         <p:nvSpPr>
-          <p:cNvPr id="31" name="PlaceHolder 5"/>
+          <p:cNvPr id="33" name="PlaceHolder 5"/>
           <p:cNvSpPr>
             <a:spLocks noGrp="1"/>
           </p:cNvSpPr>
@@ -567,7 +567,7 @@
         <p:txBody>
           <a:bodyPr/>
           <a:p>
-            <a:fld id="{91708C3A-2DD7-4EC7-A772-FDD8F9B0B597}" type="slidenum">
+            <a:fld id="{8D921BF9-8462-47EB-913C-71D39C587D82}" type="slidenum">
               <a:t>&lt;#&gt;</a:t>
             </a:fld>
           </a:p>
@@ -618,7 +618,7 @@
       </p:grpSpPr>
       <p:sp>
         <p:nvSpPr>
-          <p:cNvPr id="32" name="PlaceHolder 1"/>
+          <p:cNvPr id="34" name="PlaceHolder 1"/>
           <p:cNvSpPr>
             <a:spLocks noGrp="1"/>
           </p:cNvSpPr>
@@ -658,7 +658,7 @@
       </p:sp>
       <p:sp>
         <p:nvSpPr>
-          <p:cNvPr id="33" name="PlaceHolder 2"/>
+          <p:cNvPr id="35" name="PlaceHolder 2"/>
           <p:cNvSpPr>
             <a:spLocks noGrp="1"/>
           </p:cNvSpPr>
@@ -701,7 +701,7 @@
       </p:sp>
       <p:sp>
         <p:nvSpPr>
-          <p:cNvPr id="34" name="PlaceHolder 3"/>
+          <p:cNvPr id="36" name="PlaceHolder 3"/>
           <p:cNvSpPr>
             <a:spLocks noGrp="1"/>
           </p:cNvSpPr>
@@ -744,7 +744,7 @@
       </p:sp>
       <p:sp>
         <p:nvSpPr>
-          <p:cNvPr id="35" name="PlaceHolder 4"/>
+          <p:cNvPr id="37" name="PlaceHolder 4"/>
           <p:cNvSpPr>
             <a:spLocks noGrp="1"/>
           </p:cNvSpPr>
@@ -787,7 +787,7 @@
       </p:sp>
       <p:sp>
         <p:nvSpPr>
-          <p:cNvPr id="36" name="PlaceHolder 5"/>
+          <p:cNvPr id="38" name="PlaceHolder 5"/>
           <p:cNvSpPr>
             <a:spLocks noGrp="1"/>
           </p:cNvSpPr>
@@ -830,7 +830,7 @@
       </p:sp>
       <p:sp>
         <p:nvSpPr>
-          <p:cNvPr id="37" name="PlaceHolder 6"/>
+          <p:cNvPr id="39" name="PlaceHolder 6"/>
           <p:cNvSpPr>
             <a:spLocks noGrp="1"/>
           </p:cNvSpPr>
@@ -873,7 +873,7 @@
       </p:sp>
       <p:sp>
         <p:nvSpPr>
-          <p:cNvPr id="38" name="PlaceHolder 7"/>
+          <p:cNvPr id="40" name="PlaceHolder 7"/>
           <p:cNvSpPr>
             <a:spLocks noGrp="1"/>
           </p:cNvSpPr>
@@ -948,7 +948,7 @@
         <p:txBody>
           <a:bodyPr/>
           <a:p>
-            <a:fld id="{CC31F05F-9822-4B7A-8BD1-212708E685E0}" type="slidenum">
+            <a:fld id="{CFF5BF51-CA54-4832-9524-BAADB1696022}" type="slidenum">
               <a:t>&lt;#&gt;</a:t>
             </a:fld>
           </a:p>
@@ -999,7 +999,7 @@
       </p:grpSpPr>
       <p:sp>
         <p:nvSpPr>
-          <p:cNvPr id="3" name="PlaceHolder 1"/>
+          <p:cNvPr id="5" name="PlaceHolder 1"/>
           <p:cNvSpPr>
             <a:spLocks noGrp="1"/>
           </p:cNvSpPr>
@@ -1039,7 +1039,7 @@
       </p:sp>
       <p:sp>
         <p:nvSpPr>
-          <p:cNvPr id="4" name="PlaceHolder 2"/>
+          <p:cNvPr id="6" name="PlaceHolder 2"/>
           <p:cNvSpPr>
             <a:spLocks noGrp="1"/>
           </p:cNvSpPr>
@@ -1111,7 +1111,7 @@
         <p:txBody>
           <a:bodyPr/>
           <a:p>
-            <a:fld id="{5A770CAB-ACC4-4D34-91EB-733B8C094602}" type="slidenum">
+            <a:fld id="{8D4D7C80-28E2-4ADB-8A07-6CAEC53E6887}" type="slidenum">
               <a:t>&lt;#&gt;</a:t>
             </a:fld>
           </a:p>
@@ -1162,7 +1162,7 @@
       </p:grpSpPr>
       <p:sp>
         <p:nvSpPr>
-          <p:cNvPr id="5" name="PlaceHolder 1"/>
+          <p:cNvPr id="7" name="PlaceHolder 1"/>
           <p:cNvSpPr>
             <a:spLocks noGrp="1"/>
           </p:cNvSpPr>
@@ -1202,7 +1202,7 @@
       </p:sp>
       <p:sp>
         <p:nvSpPr>
-          <p:cNvPr id="6" name="PlaceHolder 2"/>
+          <p:cNvPr id="8" name="PlaceHolder 2"/>
           <p:cNvSpPr>
             <a:spLocks noGrp="1"/>
           </p:cNvSpPr>
@@ -1277,7 +1277,7 @@
         <p:txBody>
           <a:bodyPr/>
           <a:p>
-            <a:fld id="{53A630CB-6631-49CA-8E97-F355FFD3EA73}" type="slidenum">
+            <a:fld id="{419DF845-BDE7-4702-B0A3-2164242EB3D2}" type="slidenum">
               <a:t>&lt;#&gt;</a:t>
             </a:fld>
           </a:p>
@@ -1328,7 +1328,7 @@
       </p:grpSpPr>
       <p:sp>
         <p:nvSpPr>
-          <p:cNvPr id="7" name="PlaceHolder 1"/>
+          <p:cNvPr id="9" name="PlaceHolder 1"/>
           <p:cNvSpPr>
             <a:spLocks noGrp="1"/>
           </p:cNvSpPr>
@@ -1368,7 +1368,7 @@
       </p:sp>
       <p:sp>
         <p:nvSpPr>
-          <p:cNvPr id="8" name="PlaceHolder 2"/>
+          <p:cNvPr id="10" name="PlaceHolder 2"/>
           <p:cNvSpPr>
             <a:spLocks noGrp="1"/>
           </p:cNvSpPr>
@@ -1411,7 +1411,7 @@
       </p:sp>
       <p:sp>
         <p:nvSpPr>
-          <p:cNvPr id="9" name="PlaceHolder 3"/>
+          <p:cNvPr id="11" name="PlaceHolder 3"/>
           <p:cNvSpPr>
             <a:spLocks noGrp="1"/>
           </p:cNvSpPr>
@@ -1486,7 +1486,7 @@
         <p:txBody>
           <a:bodyPr/>
           <a:p>
-            <a:fld id="{FF7A5E12-44A0-4EAE-B6D1-960303CBEECF}" type="slidenum">
+            <a:fld id="{205C4453-F497-48BC-9437-D82521223200}" type="slidenum">
               <a:t>&lt;#&gt;</a:t>
             </a:fld>
           </a:p>
@@ -1537,7 +1537,7 @@
       </p:grpSpPr>
       <p:sp>
         <p:nvSpPr>
-          <p:cNvPr id="10" name="PlaceHolder 1"/>
+          <p:cNvPr id="12" name="PlaceHolder 1"/>
           <p:cNvSpPr>
             <a:spLocks noGrp="1"/>
           </p:cNvSpPr>
@@ -1609,7 +1609,7 @@
         <p:txBody>
           <a:bodyPr/>
           <a:p>
-            <a:fld id="{171FA9B2-4B44-4B1F-9CDE-15EC3E73BE1C}" type="slidenum">
+            <a:fld id="{405C89D5-8A5B-4010-917F-63770C881A6F}" type="slidenum">
               <a:t>&lt;#&gt;</a:t>
             </a:fld>
           </a:p>
@@ -1660,7 +1660,7 @@
       </p:grpSpPr>
       <p:sp>
         <p:nvSpPr>
-          <p:cNvPr id="11" name="PlaceHolder 1"/>
+          <p:cNvPr id="13" name="PlaceHolder 1"/>
           <p:cNvSpPr>
             <a:spLocks noGrp="1"/>
           </p:cNvSpPr>
@@ -1730,7 +1730,7 @@
         <p:txBody>
           <a:bodyPr/>
           <a:p>
-            <a:fld id="{05DDAABA-8B9A-430E-A647-742BC51E748F}" type="slidenum">
+            <a:fld id="{256CA756-40E3-4B35-80F5-6ED085153537}" type="slidenum">
               <a:t>&lt;#&gt;</a:t>
             </a:fld>
           </a:p>
@@ -1781,7 +1781,7 @@
       </p:grpSpPr>
       <p:sp>
         <p:nvSpPr>
-          <p:cNvPr id="12" name="PlaceHolder 1"/>
+          <p:cNvPr id="14" name="PlaceHolder 1"/>
           <p:cNvSpPr>
             <a:spLocks noGrp="1"/>
           </p:cNvSpPr>
@@ -1821,7 +1821,7 @@
       </p:sp>
       <p:sp>
         <p:nvSpPr>
-          <p:cNvPr id="13" name="PlaceHolder 2"/>
+          <p:cNvPr id="15" name="PlaceHolder 2"/>
           <p:cNvSpPr>
             <a:spLocks noGrp="1"/>
           </p:cNvSpPr>
@@ -1864,7 +1864,7 @@
       </p:sp>
       <p:sp>
         <p:nvSpPr>
-          <p:cNvPr id="14" name="PlaceHolder 3"/>
+          <p:cNvPr id="16" name="PlaceHolder 3"/>
           <p:cNvSpPr>
             <a:spLocks noGrp="1"/>
           </p:cNvSpPr>
@@ -1907,7 +1907,7 @@
       </p:sp>
       <p:sp>
         <p:nvSpPr>
-          <p:cNvPr id="15" name="PlaceHolder 4"/>
+          <p:cNvPr id="17" name="PlaceHolder 4"/>
           <p:cNvSpPr>
             <a:spLocks noGrp="1"/>
           </p:cNvSpPr>
@@ -1982,7 +1982,7 @@
         <p:txBody>
           <a:bodyPr/>
           <a:p>
-            <a:fld id="{705C315E-1795-4B8B-9048-845603AD4AC7}" type="slidenum">
+            <a:fld id="{4C3986AF-B523-4896-998E-F03B26DF752F}" type="slidenum">
               <a:t>&lt;#&gt;</a:t>
             </a:fld>
           </a:p>
@@ -2033,7 +2033,7 @@
       </p:grpSpPr>
       <p:sp>
         <p:nvSpPr>
-          <p:cNvPr id="16" name="PlaceHolder 1"/>
+          <p:cNvPr id="18" name="PlaceHolder 1"/>
           <p:cNvSpPr>
             <a:spLocks noGrp="1"/>
           </p:cNvSpPr>
@@ -2073,7 +2073,7 @@
       </p:sp>
       <p:sp>
         <p:nvSpPr>
-          <p:cNvPr id="17" name="PlaceHolder 2"/>
+          <p:cNvPr id="19" name="PlaceHolder 2"/>
           <p:cNvSpPr>
             <a:spLocks noGrp="1"/>
           </p:cNvSpPr>
@@ -2116,7 +2116,7 @@
       </p:sp>
       <p:sp>
         <p:nvSpPr>
-          <p:cNvPr id="18" name="PlaceHolder 3"/>
+          <p:cNvPr id="20" name="PlaceHolder 3"/>
           <p:cNvSpPr>
             <a:spLocks noGrp="1"/>
           </p:cNvSpPr>
@@ -2159,7 +2159,7 @@
       </p:sp>
       <p:sp>
         <p:nvSpPr>
-          <p:cNvPr id="19" name="PlaceHolder 4"/>
+          <p:cNvPr id="21" name="PlaceHolder 4"/>
           <p:cNvSpPr>
             <a:spLocks noGrp="1"/>
           </p:cNvSpPr>
@@ -2234,7 +2234,7 @@
         <p:txBody>
           <a:bodyPr/>
           <a:p>
-            <a:fld id="{06503A67-D76C-45C9-AF91-69560422A915}" type="slidenum">
+            <a:fld id="{25E748F0-8291-4332-A0F8-2746A3FB546E}" type="slidenum">
               <a:t>&lt;#&gt;</a:t>
             </a:fld>
           </a:p>
@@ -2285,7 +2285,7 @@
       </p:grpSpPr>
       <p:sp>
         <p:nvSpPr>
-          <p:cNvPr id="20" name="PlaceHolder 1"/>
+          <p:cNvPr id="22" name="PlaceHolder 1"/>
           <p:cNvSpPr>
             <a:spLocks noGrp="1"/>
           </p:cNvSpPr>
@@ -2325,7 +2325,7 @@
       </p:sp>
       <p:sp>
         <p:nvSpPr>
-          <p:cNvPr id="21" name="PlaceHolder 2"/>
+          <p:cNvPr id="23" name="PlaceHolder 2"/>
           <p:cNvSpPr>
             <a:spLocks noGrp="1"/>
           </p:cNvSpPr>
@@ -2368,7 +2368,7 @@
       </p:sp>
       <p:sp>
         <p:nvSpPr>
-          <p:cNvPr id="22" name="PlaceHolder 3"/>
+          <p:cNvPr id="24" name="PlaceHolder 3"/>
           <p:cNvSpPr>
             <a:spLocks noGrp="1"/>
           </p:cNvSpPr>
@@ -2411,7 +2411,7 @@
       </p:sp>
       <p:sp>
         <p:nvSpPr>
-          <p:cNvPr id="23" name="PlaceHolder 4"/>
+          <p:cNvPr id="25" name="PlaceHolder 4"/>
           <p:cNvSpPr>
             <a:spLocks noGrp="1"/>
           </p:cNvSpPr>
@@ -2486,7 +2486,7 @@
         <p:txBody>
           <a:bodyPr/>
           <a:p>
-            <a:fld id="{1F0B8398-4F56-499E-91C4-CCCED546A6BE}" type="slidenum">
+            <a:fld id="{94079A07-87DA-479B-ABC8-3B43EBC92B5E}" type="slidenum">
               <a:t>&lt;#&gt;</a:t>
             </a:fld>
           </a:p>
@@ -2555,7 +2555,7 @@
         <p:spPr>
           <a:xfrm>
             <a:off x="3029040" y="6356520"/>
-            <a:ext cx="3084480" cy="363240"/>
+            <a:ext cx="3082680" cy="361440"/>
           </a:xfrm>
           <a:prstGeom prst="rect">
             <a:avLst/>
@@ -2627,7 +2627,7 @@
         <p:spPr>
           <a:xfrm>
             <a:off x="6458040" y="6356520"/>
-            <a:ext cx="2055600" cy="363240"/>
+            <a:ext cx="2053800" cy="361440"/>
           </a:xfrm>
           <a:prstGeom prst="rect">
             <a:avLst/>
@@ -2668,7 +2668,7 @@
                 <a:tab algn="l" pos="0"/>
               </a:tabLst>
             </a:pPr>
-            <a:fld id="{7E13FDE0-BBFC-4530-ADC2-CE67644DA271}" type="slidenum">
+            <a:fld id="{AF690EB9-D348-4CC3-A934-B4352A6467E6}" type="slidenum">
               <a:rPr b="0" lang="es-VE" sz="1200" spc="-1" strike="noStrike">
                 <a:solidFill>
                   <a:srgbClr val="8b8b8b"/>
@@ -2699,7 +2699,7 @@
         <p:spPr>
           <a:xfrm>
             <a:off x="628560" y="6356520"/>
-            <a:ext cx="2055600" cy="363240"/>
+            <a:ext cx="2053800" cy="361440"/>
           </a:xfrm>
           <a:prstGeom prst="rect">
             <a:avLst/>
@@ -2742,6 +2742,280 @@
                 <a:srgbClr val="000000"/>
               </a:solidFill>
               <a:latin typeface="Times New Roman"/>
+            </a:endParaRPr>
+          </a:p>
+        </p:txBody>
+      </p:sp>
+      <p:sp>
+        <p:nvSpPr>
+          <p:cNvPr id="3" name="PlaceHolder 4"/>
+          <p:cNvSpPr>
+            <a:spLocks noGrp="1"/>
+          </p:cNvSpPr>
+          <p:nvPr>
+            <p:ph type="title"/>
+          </p:nvPr>
+        </p:nvSpPr>
+        <p:spPr>
+          <a:xfrm>
+            <a:off x="457200" y="273600"/>
+            <a:ext cx="8229240" cy="1144800"/>
+          </a:xfrm>
+          <a:prstGeom prst="rect">
+            <a:avLst/>
+          </a:prstGeom>
+          <a:noFill/>
+          <a:ln w="0">
+            <a:noFill/>
+          </a:ln>
+        </p:spPr>
+        <p:txBody>
+          <a:bodyPr lIns="0" rIns="0" tIns="0" bIns="0" anchor="ctr">
+            <a:noAutofit/>
+          </a:bodyPr>
+          <a:p>
+            <a:pPr indent="0" algn="ctr">
+              <a:buNone/>
+            </a:pPr>
+            <a:r>
+              <a:rPr b="0" lang="es-VE" sz="4400" spc="-1" strike="noStrike">
+                <a:solidFill>
+                  <a:srgbClr val="000000"/>
+                </a:solidFill>
+                <a:latin typeface="Arial"/>
+              </a:rPr>
+              <a:t>Click to edit the title text format</a:t>
+            </a:r>
+            <a:endParaRPr b="0" lang="es-VE" sz="4400" spc="-1" strike="noStrike">
+              <a:solidFill>
+                <a:srgbClr val="000000"/>
+              </a:solidFill>
+              <a:latin typeface="Arial"/>
+            </a:endParaRPr>
+          </a:p>
+        </p:txBody>
+      </p:sp>
+      <p:sp>
+        <p:nvSpPr>
+          <p:cNvPr id="4" name="PlaceHolder 5"/>
+          <p:cNvSpPr>
+            <a:spLocks noGrp="1"/>
+          </p:cNvSpPr>
+          <p:nvPr>
+            <p:ph type="body"/>
+          </p:nvPr>
+        </p:nvSpPr>
+        <p:spPr>
+          <a:xfrm>
+            <a:off x="457200" y="1604520"/>
+            <a:ext cx="8229240" cy="3977280"/>
+          </a:xfrm>
+          <a:prstGeom prst="rect">
+            <a:avLst/>
+          </a:prstGeom>
+          <a:noFill/>
+          <a:ln w="0">
+            <a:noFill/>
+          </a:ln>
+        </p:spPr>
+        <p:txBody>
+          <a:bodyPr lIns="0" rIns="0" tIns="0" bIns="0" anchor="t">
+            <a:normAutofit/>
+          </a:bodyPr>
+          <a:p>
+            <a:pPr marL="432000" indent="-324000">
+              <a:spcBef>
+                <a:spcPts val="1417"/>
+              </a:spcBef>
+              <a:buClr>
+                <a:srgbClr val="000000"/>
+              </a:buClr>
+              <a:buSzPct val="45000"/>
+              <a:buFont typeface="Wingdings" charset="2"/>
+              <a:buChar char=""/>
+            </a:pPr>
+            <a:r>
+              <a:rPr b="0" lang="es-VE" sz="3200" spc="-1" strike="noStrike">
+                <a:solidFill>
+                  <a:srgbClr val="000000"/>
+                </a:solidFill>
+                <a:latin typeface="Arial"/>
+              </a:rPr>
+              <a:t>Click to edit the outline text format</a:t>
+            </a:r>
+            <a:endParaRPr b="0" lang="es-VE" sz="3200" spc="-1" strike="noStrike">
+              <a:solidFill>
+                <a:srgbClr val="000000"/>
+              </a:solidFill>
+              <a:latin typeface="Arial"/>
+            </a:endParaRPr>
+          </a:p>
+          <a:p>
+            <a:pPr lvl="1" marL="864000" indent="-324000">
+              <a:spcBef>
+                <a:spcPts val="1134"/>
+              </a:spcBef>
+              <a:buClr>
+                <a:srgbClr val="000000"/>
+              </a:buClr>
+              <a:buSzPct val="75000"/>
+              <a:buFont typeface="Symbol" charset="2"/>
+              <a:buChar char=""/>
+            </a:pPr>
+            <a:r>
+              <a:rPr b="0" lang="es-VE" sz="2800" spc="-1" strike="noStrike">
+                <a:solidFill>
+                  <a:srgbClr val="000000"/>
+                </a:solidFill>
+                <a:latin typeface="Arial"/>
+              </a:rPr>
+              <a:t>Second Outline Level</a:t>
+            </a:r>
+            <a:endParaRPr b="0" lang="es-VE" sz="2800" spc="-1" strike="noStrike">
+              <a:solidFill>
+                <a:srgbClr val="000000"/>
+              </a:solidFill>
+              <a:latin typeface="Arial"/>
+            </a:endParaRPr>
+          </a:p>
+          <a:p>
+            <a:pPr lvl="2" marL="1296000" indent="-288000">
+              <a:spcBef>
+                <a:spcPts val="850"/>
+              </a:spcBef>
+              <a:buClr>
+                <a:srgbClr val="000000"/>
+              </a:buClr>
+              <a:buSzPct val="45000"/>
+              <a:buFont typeface="Wingdings" charset="2"/>
+              <a:buChar char=""/>
+            </a:pPr>
+            <a:r>
+              <a:rPr b="0" lang="es-VE" sz="2400" spc="-1" strike="noStrike">
+                <a:solidFill>
+                  <a:srgbClr val="000000"/>
+                </a:solidFill>
+                <a:latin typeface="Arial"/>
+              </a:rPr>
+              <a:t>Third Outline Level</a:t>
+            </a:r>
+            <a:endParaRPr b="0" lang="es-VE" sz="2400" spc="-1" strike="noStrike">
+              <a:solidFill>
+                <a:srgbClr val="000000"/>
+              </a:solidFill>
+              <a:latin typeface="Arial"/>
+            </a:endParaRPr>
+          </a:p>
+          <a:p>
+            <a:pPr lvl="3" marL="1728000" indent="-216000">
+              <a:spcBef>
+                <a:spcPts val="567"/>
+              </a:spcBef>
+              <a:buClr>
+                <a:srgbClr val="000000"/>
+              </a:buClr>
+              <a:buSzPct val="75000"/>
+              <a:buFont typeface="Symbol" charset="2"/>
+              <a:buChar char=""/>
+            </a:pPr>
+            <a:r>
+              <a:rPr b="0" lang="es-VE" sz="2000" spc="-1" strike="noStrike">
+                <a:solidFill>
+                  <a:srgbClr val="000000"/>
+                </a:solidFill>
+                <a:latin typeface="Arial"/>
+              </a:rPr>
+              <a:t>Fourth Outline Level</a:t>
+            </a:r>
+            <a:endParaRPr b="0" lang="es-VE" sz="2000" spc="-1" strike="noStrike">
+              <a:solidFill>
+                <a:srgbClr val="000000"/>
+              </a:solidFill>
+              <a:latin typeface="Arial"/>
+            </a:endParaRPr>
+          </a:p>
+          <a:p>
+            <a:pPr lvl="4" marL="2160000" indent="-216000">
+              <a:spcBef>
+                <a:spcPts val="283"/>
+              </a:spcBef>
+              <a:buClr>
+                <a:srgbClr val="000000"/>
+              </a:buClr>
+              <a:buSzPct val="45000"/>
+              <a:buFont typeface="Wingdings" charset="2"/>
+              <a:buChar char=""/>
+            </a:pPr>
+            <a:r>
+              <a:rPr b="0" lang="es-VE" sz="2000" spc="-1" strike="noStrike">
+                <a:solidFill>
+                  <a:srgbClr val="000000"/>
+                </a:solidFill>
+                <a:latin typeface="Arial"/>
+              </a:rPr>
+              <a:t>Fifth Outline Level</a:t>
+            </a:r>
+            <a:endParaRPr b="0" lang="es-VE" sz="2000" spc="-1" strike="noStrike">
+              <a:solidFill>
+                <a:srgbClr val="000000"/>
+              </a:solidFill>
+              <a:latin typeface="Arial"/>
+            </a:endParaRPr>
+          </a:p>
+          <a:p>
+            <a:pPr lvl="5" marL="2592000" indent="-216000">
+              <a:spcBef>
+                <a:spcPts val="283"/>
+              </a:spcBef>
+              <a:buClr>
+                <a:srgbClr val="000000"/>
+              </a:buClr>
+              <a:buSzPct val="45000"/>
+              <a:buFont typeface="Wingdings" charset="2"/>
+              <a:buChar char=""/>
+            </a:pPr>
+            <a:r>
+              <a:rPr b="0" lang="es-VE" sz="2000" spc="-1" strike="noStrike">
+                <a:solidFill>
+                  <a:srgbClr val="000000"/>
+                </a:solidFill>
+                <a:latin typeface="Arial"/>
+              </a:rPr>
+              <a:t>Sixth Outline Level</a:t>
+            </a:r>
+            <a:endParaRPr b="0" lang="es-VE" sz="2000" spc="-1" strike="noStrike">
+              <a:solidFill>
+                <a:srgbClr val="000000"/>
+              </a:solidFill>
+              <a:latin typeface="Arial"/>
+            </a:endParaRPr>
+          </a:p>
+          <a:p>
+            <a:pPr lvl="6" marL="3024000" indent="-216000">
+              <a:spcBef>
+                <a:spcPts val="283"/>
+              </a:spcBef>
+              <a:buClr>
+                <a:srgbClr val="000000"/>
+              </a:buClr>
+              <a:buSzPct val="45000"/>
+              <a:buFont typeface="Wingdings" charset="2"/>
+              <a:buChar char=""/>
+            </a:pPr>
+            <a:r>
+              <a:rPr b="0" lang="es-VE" sz="2000" spc="-1" strike="noStrike">
+                <a:solidFill>
+                  <a:srgbClr val="000000"/>
+                </a:solidFill>
+                <a:latin typeface="Arial"/>
+              </a:rPr>
+              <a:t>Seventh Outline Level</a:t>
+            </a:r>
+            <a:endParaRPr b="0" lang="es-VE" sz="2000" spc="-1" strike="noStrike">
+              <a:solidFill>
+                <a:srgbClr val="000000"/>
+              </a:solidFill>
+              <a:latin typeface="Arial"/>
             </a:endParaRPr>
           </a:p>
         </p:txBody>
@@ -2785,7 +3059,7 @@
       </p:grpSpPr>
       <p:pic>
         <p:nvPicPr>
-          <p:cNvPr id="39" name="Imagen 3" descr=""/>
+          <p:cNvPr id="41" name="Imagen 3" descr=""/>
           <p:cNvPicPr/>
           <p:nvPr/>
         </p:nvPicPr>
@@ -2795,8 +3069,8 @@
         </p:blipFill>
         <p:spPr>
           <a:xfrm>
-            <a:off x="37440" y="0"/>
-            <a:ext cx="9142200" cy="6856200"/>
+            <a:off x="1800" y="0"/>
+            <a:ext cx="9140400" cy="6854400"/>
           </a:xfrm>
           <a:prstGeom prst="rect">
             <a:avLst/>
@@ -2808,14 +3082,14 @@
       </p:pic>
       <p:sp>
         <p:nvSpPr>
-          <p:cNvPr id="40" name="Rectángulo 5"/>
+          <p:cNvPr id="42" name="Rectángulo 5"/>
           <p:cNvSpPr/>
           <p:nvPr/>
         </p:nvSpPr>
         <p:spPr>
           <a:xfrm>
-            <a:off x="3388320" y="2550240"/>
-            <a:ext cx="657000" cy="455400"/>
+            <a:off x="3460320" y="2622240"/>
+            <a:ext cx="656640" cy="455400"/>
           </a:xfrm>
           <a:prstGeom prst="rect">
             <a:avLst/>
@@ -2865,14 +3139,14 @@
       </p:sp>
       <p:sp>
         <p:nvSpPr>
-          <p:cNvPr id="41" name="Rectángulo 6"/>
+          <p:cNvPr id="43" name="Rectángulo 6"/>
           <p:cNvSpPr/>
           <p:nvPr/>
         </p:nvSpPr>
         <p:spPr>
           <a:xfrm>
-            <a:off x="1046880" y="3345480"/>
-            <a:ext cx="1132560" cy="363960"/>
+            <a:off x="1154880" y="3345480"/>
+            <a:ext cx="1132200" cy="363960"/>
           </a:xfrm>
           <a:prstGeom prst="rect">
             <a:avLst/>
@@ -2922,14 +3196,14 @@
       </p:sp>
       <p:sp>
         <p:nvSpPr>
-          <p:cNvPr id="42" name="Rectángulo 7"/>
+          <p:cNvPr id="44" name="Rectángulo 7"/>
           <p:cNvSpPr/>
           <p:nvPr/>
         </p:nvSpPr>
         <p:spPr>
           <a:xfrm>
-            <a:off x="135720" y="2024280"/>
-            <a:ext cx="8809560" cy="394560"/>
+            <a:off x="3308040" y="2096280"/>
+            <a:ext cx="2383920" cy="394560"/>
           </a:xfrm>
           <a:prstGeom prst="rect">
             <a:avLst/>
@@ -2958,19 +3232,6 @@
                 <a:tab algn="l" pos="0"/>
               </a:tabLst>
             </a:pPr>
-            <a:r>
-              <a:rPr b="0" lang="es-ES" sz="2000" spc="-1" strike="noStrike">
-                <a:solidFill>
-                  <a:srgbClr val="ffffff"/>
-                </a:solidFill>
-                <a:highlight>
-                  <a:srgbClr val="ffffff"/>
-                </a:highlight>
-                <a:latin typeface="Calibri"/>
-                <a:ea typeface="DejaVu Sans"/>
-              </a:rPr>
-              <a:t> </a:t>
-            </a:r>
             <a:r>
               <a:rPr b="0" lang="es-ES" sz="2000" spc="-1" strike="noStrike">
                 <a:solidFill>
@@ -2995,14 +3256,14 @@
       </p:sp>
       <p:sp>
         <p:nvSpPr>
-          <p:cNvPr id="43" name="CuadroTexto 9"/>
+          <p:cNvPr id="45" name="CuadroTexto 9"/>
           <p:cNvSpPr/>
           <p:nvPr/>
         </p:nvSpPr>
         <p:spPr>
           <a:xfrm>
             <a:off x="7826760" y="5405760"/>
-            <a:ext cx="1827000" cy="272160"/>
+            <a:ext cx="1825200" cy="272160"/>
           </a:xfrm>
           <a:prstGeom prst="rect">
             <a:avLst/>
@@ -3052,7 +3313,7 @@
       </p:sp>
       <p:sp>
         <p:nvSpPr>
-          <p:cNvPr id="44" name="CuadroTexto 10"/>
+          <p:cNvPr id="46" name="CuadroTexto 10"/>
           <p:cNvSpPr/>
           <p:nvPr/>
         </p:nvSpPr>
@@ -3119,13 +3380,13 @@
       </p:sp>
       <p:sp>
         <p:nvSpPr>
-          <p:cNvPr id="45" name="CuadroTexto 12"/>
+          <p:cNvPr id="47" name="CuadroTexto 12"/>
           <p:cNvSpPr/>
           <p:nvPr/>
         </p:nvSpPr>
         <p:spPr>
           <a:xfrm>
-            <a:off x="3984120" y="2599200"/>
+            <a:off x="3984120" y="2641680"/>
             <a:ext cx="1773720" cy="363960"/>
           </a:xfrm>
           <a:prstGeom prst="rect">
@@ -3179,14 +3440,14 @@
       </p:sp>
       <p:sp>
         <p:nvSpPr>
-          <p:cNvPr id="46" name="CuadroTexto 14"/>
+          <p:cNvPr id="48" name="CuadroTexto 14"/>
           <p:cNvSpPr/>
           <p:nvPr/>
         </p:nvSpPr>
         <p:spPr>
           <a:xfrm>
             <a:off x="2138760" y="3348360"/>
-            <a:ext cx="4884480" cy="363960"/>
+            <a:ext cx="4882680" cy="363960"/>
           </a:xfrm>
           <a:prstGeom prst="rect">
             <a:avLst/>
@@ -3236,14 +3497,14 @@
       </p:sp>
       <p:sp>
         <p:nvSpPr>
-          <p:cNvPr id="47" name=""/>
+          <p:cNvPr id="49" name=""/>
           <p:cNvSpPr/>
           <p:nvPr/>
         </p:nvSpPr>
         <p:spPr>
           <a:xfrm>
             <a:off x="7380000" y="3960000"/>
-            <a:ext cx="1439640" cy="1439640"/>
+            <a:ext cx="1437840" cy="1437840"/>
           </a:xfrm>
           <a:prstGeom prst="rect">
             <a:avLst/>
@@ -3285,14 +3546,14 @@
       </p:sp>
       <p:sp>
         <p:nvSpPr>
-          <p:cNvPr id="48" name="Rectángulo 8"/>
+          <p:cNvPr id="50" name="Rectángulo 8"/>
           <p:cNvSpPr/>
           <p:nvPr/>
         </p:nvSpPr>
         <p:spPr>
           <a:xfrm>
             <a:off x="7309080" y="3636000"/>
-            <a:ext cx="1546560" cy="1799640"/>
+            <a:ext cx="1544760" cy="1797840"/>
           </a:xfrm>
           <a:prstGeom prst="rect">
             <a:avLst/>
